--- a/Writings/overview diagrams.pptx
+++ b/Writings/overview diagrams.pptx
@@ -200,7 +200,7 @@
           <a:p>
             <a:fld id="{B406FC2E-5808-4554-A4F7-8AE765D1C330}" type="datetimeFigureOut">
               <a:rPr lang="en-US" smtClean="0"/>
-              <a:t>8/12/2018</a:t>
+              <a:t>8/14/2018</a:t>
             </a:fld>
             <a:endParaRPr lang="en-US"/>
           </a:p>
@@ -702,7 +702,7 @@
           <a:p>
             <a:fld id="{86381CC4-AE7D-43A3-886C-8914A95FEA55}" type="datetimeFigureOut">
               <a:rPr lang="en-GB" smtClean="0"/>
-              <a:t>12/08/2018</a:t>
+              <a:t>14/08/2018</a:t>
             </a:fld>
             <a:endParaRPr lang="en-GB" dirty="0"/>
           </a:p>
@@ -872,7 +872,7 @@
           <a:p>
             <a:fld id="{86381CC4-AE7D-43A3-886C-8914A95FEA55}" type="datetimeFigureOut">
               <a:rPr lang="en-GB" smtClean="0"/>
-              <a:t>12/08/2018</a:t>
+              <a:t>14/08/2018</a:t>
             </a:fld>
             <a:endParaRPr lang="en-GB" dirty="0"/>
           </a:p>
@@ -1052,7 +1052,7 @@
           <a:p>
             <a:fld id="{86381CC4-AE7D-43A3-886C-8914A95FEA55}" type="datetimeFigureOut">
               <a:rPr lang="en-GB" smtClean="0"/>
-              <a:t>12/08/2018</a:t>
+              <a:t>14/08/2018</a:t>
             </a:fld>
             <a:endParaRPr lang="en-GB" dirty="0"/>
           </a:p>
@@ -1222,7 +1222,7 @@
           <a:p>
             <a:fld id="{86381CC4-AE7D-43A3-886C-8914A95FEA55}" type="datetimeFigureOut">
               <a:rPr lang="en-GB" smtClean="0"/>
-              <a:t>12/08/2018</a:t>
+              <a:t>14/08/2018</a:t>
             </a:fld>
             <a:endParaRPr lang="en-GB" dirty="0"/>
           </a:p>
@@ -1468,7 +1468,7 @@
           <a:p>
             <a:fld id="{86381CC4-AE7D-43A3-886C-8914A95FEA55}" type="datetimeFigureOut">
               <a:rPr lang="en-GB" smtClean="0"/>
-              <a:t>12/08/2018</a:t>
+              <a:t>14/08/2018</a:t>
             </a:fld>
             <a:endParaRPr lang="en-GB" dirty="0"/>
           </a:p>
@@ -1700,7 +1700,7 @@
           <a:p>
             <a:fld id="{86381CC4-AE7D-43A3-886C-8914A95FEA55}" type="datetimeFigureOut">
               <a:rPr lang="en-GB" smtClean="0"/>
-              <a:t>12/08/2018</a:t>
+              <a:t>14/08/2018</a:t>
             </a:fld>
             <a:endParaRPr lang="en-GB" dirty="0"/>
           </a:p>
@@ -2067,7 +2067,7 @@
           <a:p>
             <a:fld id="{86381CC4-AE7D-43A3-886C-8914A95FEA55}" type="datetimeFigureOut">
               <a:rPr lang="en-GB" smtClean="0"/>
-              <a:t>12/08/2018</a:t>
+              <a:t>14/08/2018</a:t>
             </a:fld>
             <a:endParaRPr lang="en-GB" dirty="0"/>
           </a:p>
@@ -2185,7 +2185,7 @@
           <a:p>
             <a:fld id="{86381CC4-AE7D-43A3-886C-8914A95FEA55}" type="datetimeFigureOut">
               <a:rPr lang="en-GB" smtClean="0"/>
-              <a:t>12/08/2018</a:t>
+              <a:t>14/08/2018</a:t>
             </a:fld>
             <a:endParaRPr lang="en-GB" dirty="0"/>
           </a:p>
@@ -2280,7 +2280,7 @@
           <a:p>
             <a:fld id="{86381CC4-AE7D-43A3-886C-8914A95FEA55}" type="datetimeFigureOut">
               <a:rPr lang="en-GB" smtClean="0"/>
-              <a:t>12/08/2018</a:t>
+              <a:t>14/08/2018</a:t>
             </a:fld>
             <a:endParaRPr lang="en-GB" dirty="0"/>
           </a:p>
@@ -2557,7 +2557,7 @@
           <a:p>
             <a:fld id="{86381CC4-AE7D-43A3-886C-8914A95FEA55}" type="datetimeFigureOut">
               <a:rPr lang="en-GB" smtClean="0"/>
-              <a:t>12/08/2018</a:t>
+              <a:t>14/08/2018</a:t>
             </a:fld>
             <a:endParaRPr lang="en-GB" dirty="0"/>
           </a:p>
@@ -2810,7 +2810,7 @@
           <a:p>
             <a:fld id="{86381CC4-AE7D-43A3-886C-8914A95FEA55}" type="datetimeFigureOut">
               <a:rPr lang="en-GB" smtClean="0"/>
-              <a:t>12/08/2018</a:t>
+              <a:t>14/08/2018</a:t>
             </a:fld>
             <a:endParaRPr lang="en-GB" dirty="0"/>
           </a:p>
@@ -3023,7 +3023,7 @@
           <a:p>
             <a:fld id="{86381CC4-AE7D-43A3-886C-8914A95FEA55}" type="datetimeFigureOut">
               <a:rPr lang="en-GB" smtClean="0"/>
-              <a:t>12/08/2018</a:t>
+              <a:t>14/08/2018</a:t>
             </a:fld>
             <a:endParaRPr lang="en-GB" dirty="0"/>
           </a:p>
@@ -4018,7 +4018,7 @@
         </p:nvSpPr>
         <p:spPr>
           <a:xfrm>
-            <a:off x="5946085" y="2276077"/>
+            <a:off x="5736879" y="2276666"/>
             <a:ext cx="749200" cy="326400"/>
           </a:xfrm>
           <a:prstGeom prst="rect">
@@ -4165,7 +4165,7 @@
         </p:nvSpPr>
         <p:spPr>
           <a:xfrm>
-            <a:off x="6787422" y="1619697"/>
+            <a:off x="6567740" y="1666297"/>
             <a:ext cx="508911" cy="326400"/>
           </a:xfrm>
           <a:prstGeom prst="rect">
@@ -4588,7 +4588,7 @@
         </p:nvSpPr>
         <p:spPr>
           <a:xfrm>
-            <a:off x="4168748" y="5615631"/>
+            <a:off x="3834091" y="5936319"/>
             <a:ext cx="749200" cy="326400"/>
           </a:xfrm>
           <a:prstGeom prst="rect">
@@ -4640,19 +4640,19 @@
           </p:cNvPr>
           <p:cNvCxnSpPr>
             <a:cxnSpLocks/>
-            <a:stCxn id="69" idx="1"/>
+            <a:stCxn id="79" idx="1"/>
             <a:endCxn id="55" idx="3"/>
           </p:cNvCxnSpPr>
           <p:nvPr/>
         </p:nvCxnSpPr>
         <p:spPr>
           <a:xfrm rot="10800000">
-            <a:off x="3949733" y="722267"/>
-            <a:ext cx="186200" cy="4271508"/>
+            <a:off x="3949733" y="722268"/>
+            <a:ext cx="876140" cy="5244611"/>
           </a:xfrm>
           <a:prstGeom prst="curvedConnector3">
             <a:avLst>
-              <a:gd name="adj1" fmla="val 526919"/>
+              <a:gd name="adj1" fmla="val 175441"/>
             </a:avLst>
           </a:prstGeom>
           <a:ln>
@@ -4722,6 +4722,61 @@
           </a:fontRef>
         </p:style>
       </p:cxnSp>
+      <p:sp>
+        <p:nvSpPr>
+          <p:cNvPr id="27" name="Google Shape;76;p13">
+            <a:extLst>
+              <a:ext uri="{FF2B5EF4-FFF2-40B4-BE49-F238E27FC236}">
+                <a16:creationId xmlns:a16="http://schemas.microsoft.com/office/drawing/2014/main" id="{109D1608-C254-4967-B0C8-FAC3EC0FC1DD}"/>
+              </a:ext>
+            </a:extLst>
+          </p:cNvPr>
+          <p:cNvSpPr txBox="1"/>
+          <p:nvPr/>
+        </p:nvSpPr>
+        <p:spPr>
+          <a:xfrm>
+            <a:off x="4280859" y="5503626"/>
+            <a:ext cx="508911" cy="326400"/>
+          </a:xfrm>
+          <a:prstGeom prst="rect">
+            <a:avLst/>
+          </a:prstGeom>
+          <a:noFill/>
+          <a:ln>
+            <a:noFill/>
+          </a:ln>
+        </p:spPr>
+        <p:txBody>
+          <a:bodyPr spcFirstLastPara="1" wrap="square" lIns="121900" tIns="121900" rIns="121900" bIns="121900" anchor="t" anchorCtr="0">
+            <a:noAutofit/>
+          </a:bodyPr>
+          <a:lstStyle/>
+          <a:p>
+            <a:r>
+              <a:rPr lang="en-GB" sz="1200" b="1" dirty="0">
+                <a:solidFill>
+                  <a:srgbClr val="CD63A0"/>
+                </a:solidFill>
+                <a:latin typeface="CMU Bright" panose="02000603000000000000" pitchFamily="2" charset="0"/>
+                <a:ea typeface="CMU Bright" panose="02000603000000000000" pitchFamily="2" charset="0"/>
+                <a:cs typeface="CMU Bright" panose="02000603000000000000" pitchFamily="2" charset="0"/>
+                <a:sym typeface="Courier New"/>
+              </a:rPr>
+              <a:t>NO</a:t>
+            </a:r>
+            <a:endParaRPr sz="1200" b="1" dirty="0">
+              <a:solidFill>
+                <a:srgbClr val="CD63A0"/>
+              </a:solidFill>
+              <a:latin typeface="CMU Bright" panose="02000603000000000000" pitchFamily="2" charset="0"/>
+              <a:ea typeface="CMU Bright" panose="02000603000000000000" pitchFamily="2" charset="0"/>
+              <a:cs typeface="CMU Bright" panose="02000603000000000000" pitchFamily="2" charset="0"/>
+              <a:sym typeface="Courier New"/>
+            </a:endParaRPr>
+          </a:p>
+        </p:txBody>
+      </p:sp>
     </p:spTree>
   </p:cSld>
   <p:clrMapOvr>

--- a/Writings/overview diagrams.pptx
+++ b/Writings/overview diagrams.pptx
@@ -200,7 +200,7 @@
           <a:p>
             <a:fld id="{B406FC2E-5808-4554-A4F7-8AE765D1C330}" type="datetimeFigureOut">
               <a:rPr lang="en-US" smtClean="0"/>
-              <a:t>8/14/2018</a:t>
+              <a:t>9/4/2018</a:t>
             </a:fld>
             <a:endParaRPr lang="en-US"/>
           </a:p>
@@ -702,7 +702,7 @@
           <a:p>
             <a:fld id="{86381CC4-AE7D-43A3-886C-8914A95FEA55}" type="datetimeFigureOut">
               <a:rPr lang="en-GB" smtClean="0"/>
-              <a:t>14/08/2018</a:t>
+              <a:t>04/09/2018</a:t>
             </a:fld>
             <a:endParaRPr lang="en-GB" dirty="0"/>
           </a:p>
@@ -872,7 +872,7 @@
           <a:p>
             <a:fld id="{86381CC4-AE7D-43A3-886C-8914A95FEA55}" type="datetimeFigureOut">
               <a:rPr lang="en-GB" smtClean="0"/>
-              <a:t>14/08/2018</a:t>
+              <a:t>04/09/2018</a:t>
             </a:fld>
             <a:endParaRPr lang="en-GB" dirty="0"/>
           </a:p>
@@ -1052,7 +1052,7 @@
           <a:p>
             <a:fld id="{86381CC4-AE7D-43A3-886C-8914A95FEA55}" type="datetimeFigureOut">
               <a:rPr lang="en-GB" smtClean="0"/>
-              <a:t>14/08/2018</a:t>
+              <a:t>04/09/2018</a:t>
             </a:fld>
             <a:endParaRPr lang="en-GB" dirty="0"/>
           </a:p>
@@ -1222,7 +1222,7 @@
           <a:p>
             <a:fld id="{86381CC4-AE7D-43A3-886C-8914A95FEA55}" type="datetimeFigureOut">
               <a:rPr lang="en-GB" smtClean="0"/>
-              <a:t>14/08/2018</a:t>
+              <a:t>04/09/2018</a:t>
             </a:fld>
             <a:endParaRPr lang="en-GB" dirty="0"/>
           </a:p>
@@ -1468,7 +1468,7 @@
           <a:p>
             <a:fld id="{86381CC4-AE7D-43A3-886C-8914A95FEA55}" type="datetimeFigureOut">
               <a:rPr lang="en-GB" smtClean="0"/>
-              <a:t>14/08/2018</a:t>
+              <a:t>04/09/2018</a:t>
             </a:fld>
             <a:endParaRPr lang="en-GB" dirty="0"/>
           </a:p>
@@ -1700,7 +1700,7 @@
           <a:p>
             <a:fld id="{86381CC4-AE7D-43A3-886C-8914A95FEA55}" type="datetimeFigureOut">
               <a:rPr lang="en-GB" smtClean="0"/>
-              <a:t>14/08/2018</a:t>
+              <a:t>04/09/2018</a:t>
             </a:fld>
             <a:endParaRPr lang="en-GB" dirty="0"/>
           </a:p>
@@ -2067,7 +2067,7 @@
           <a:p>
             <a:fld id="{86381CC4-AE7D-43A3-886C-8914A95FEA55}" type="datetimeFigureOut">
               <a:rPr lang="en-GB" smtClean="0"/>
-              <a:t>14/08/2018</a:t>
+              <a:t>04/09/2018</a:t>
             </a:fld>
             <a:endParaRPr lang="en-GB" dirty="0"/>
           </a:p>
@@ -2185,7 +2185,7 @@
           <a:p>
             <a:fld id="{86381CC4-AE7D-43A3-886C-8914A95FEA55}" type="datetimeFigureOut">
               <a:rPr lang="en-GB" smtClean="0"/>
-              <a:t>14/08/2018</a:t>
+              <a:t>04/09/2018</a:t>
             </a:fld>
             <a:endParaRPr lang="en-GB" dirty="0"/>
           </a:p>
@@ -2280,7 +2280,7 @@
           <a:p>
             <a:fld id="{86381CC4-AE7D-43A3-886C-8914A95FEA55}" type="datetimeFigureOut">
               <a:rPr lang="en-GB" smtClean="0"/>
-              <a:t>14/08/2018</a:t>
+              <a:t>04/09/2018</a:t>
             </a:fld>
             <a:endParaRPr lang="en-GB" dirty="0"/>
           </a:p>
@@ -2557,7 +2557,7 @@
           <a:p>
             <a:fld id="{86381CC4-AE7D-43A3-886C-8914A95FEA55}" type="datetimeFigureOut">
               <a:rPr lang="en-GB" smtClean="0"/>
-              <a:t>14/08/2018</a:t>
+              <a:t>04/09/2018</a:t>
             </a:fld>
             <a:endParaRPr lang="en-GB" dirty="0"/>
           </a:p>
@@ -2810,7 +2810,7 @@
           <a:p>
             <a:fld id="{86381CC4-AE7D-43A3-886C-8914A95FEA55}" type="datetimeFigureOut">
               <a:rPr lang="en-GB" smtClean="0"/>
-              <a:t>14/08/2018</a:t>
+              <a:t>04/09/2018</a:t>
             </a:fld>
             <a:endParaRPr lang="en-GB" dirty="0"/>
           </a:p>
@@ -3023,7 +3023,7 @@
           <a:p>
             <a:fld id="{86381CC4-AE7D-43A3-886C-8914A95FEA55}" type="datetimeFigureOut">
               <a:rPr lang="en-GB" smtClean="0"/>
-              <a:t>14/08/2018</a:t>
+              <a:t>04/09/2018</a:t>
             </a:fld>
             <a:endParaRPr lang="en-GB" dirty="0"/>
           </a:p>
@@ -3780,7 +3780,7 @@
         <p:spPr>
           <a:xfrm>
             <a:off x="4135933" y="2622169"/>
-            <a:ext cx="3160400" cy="746000"/>
+            <a:ext cx="3160400" cy="536181"/>
           </a:xfrm>
           <a:prstGeom prst="roundRect">
             <a:avLst>
@@ -3808,7 +3808,7 @@
           <a:p>
             <a:pPr algn="ctr"/>
             <a:r>
-              <a:rPr lang="en-GB" sz="1200">
+              <a:rPr lang="en-GB" sz="1200" dirty="0">
                 <a:solidFill>
                   <a:schemeClr val="bg1"/>
                 </a:solidFill>
@@ -3819,7 +3819,7 @@
               </a:rPr>
               <a:t>Calculate Stay-points: in Current_Hour_Points</a:t>
             </a:r>
-            <a:endParaRPr sz="1200">
+            <a:endParaRPr sz="1200" dirty="0">
               <a:solidFill>
                 <a:schemeClr val="bg1"/>
               </a:solidFill>
@@ -3839,8 +3839,8 @@
         </p:nvSpPr>
         <p:spPr>
           <a:xfrm>
-            <a:off x="4135933" y="3550472"/>
-            <a:ext cx="3160400" cy="888000"/>
+            <a:off x="4144611" y="4063039"/>
+            <a:ext cx="3160400" cy="650146"/>
           </a:xfrm>
           <a:prstGeom prst="roundRect">
             <a:avLst>
@@ -3899,8 +3899,8 @@
         </p:nvSpPr>
         <p:spPr>
           <a:xfrm>
-            <a:off x="4135933" y="4620775"/>
-            <a:ext cx="3160400" cy="746000"/>
+            <a:off x="4156679" y="4866496"/>
+            <a:ext cx="3160400" cy="514539"/>
           </a:xfrm>
           <a:prstGeom prst="roundRect">
             <a:avLst>
@@ -3981,35 +3981,6 @@
           </a:ln>
         </p:spPr>
       </p:cxnSp>
-      <p:cxnSp>
-        <p:nvCxnSpPr>
-          <p:cNvPr id="71" name="Google Shape;71;p13"/>
-          <p:cNvCxnSpPr>
-            <a:stCxn id="67" idx="2"/>
-            <a:endCxn id="68" idx="0"/>
-          </p:cNvCxnSpPr>
-          <p:nvPr/>
-        </p:nvCxnSpPr>
-        <p:spPr>
-          <a:xfrm>
-            <a:off x="5716133" y="3368169"/>
-            <a:ext cx="0" cy="182303"/>
-          </a:xfrm>
-          <a:prstGeom prst="straightConnector1">
-            <a:avLst/>
-          </a:prstGeom>
-          <a:noFill/>
-          <a:ln w="9525" cap="flat" cmpd="sng">
-            <a:solidFill>
-              <a:srgbClr val="741B47"/>
-            </a:solidFill>
-            <a:prstDash val="solid"/>
-            <a:round/>
-            <a:headEnd type="none" w="med" len="med"/>
-            <a:tailEnd type="triangle" w="med" len="med"/>
-          </a:ln>
-        </p:spPr>
-      </p:cxnSp>
       <p:sp>
         <p:nvSpPr>
           <p:cNvPr id="73" name="Google Shape;73;p13"/>
@@ -4214,8 +4185,8 @@
         </p:nvSpPr>
         <p:spPr>
           <a:xfrm>
-            <a:off x="729674" y="5593877"/>
-            <a:ext cx="3160400" cy="746000"/>
+            <a:off x="203363" y="4611570"/>
+            <a:ext cx="3160400" cy="509851"/>
           </a:xfrm>
           <a:prstGeom prst="roundRect">
             <a:avLst>
@@ -4344,7 +4315,7 @@
         </p:nvSpPr>
         <p:spPr>
           <a:xfrm>
-            <a:off x="4825873" y="5549078"/>
+            <a:off x="4846007" y="5549077"/>
             <a:ext cx="1774030" cy="835599"/>
           </a:xfrm>
           <a:prstGeom prst="diamond">
@@ -4404,6 +4375,7 @@
             </a:extLst>
           </p:cNvPr>
           <p:cNvCxnSpPr>
+            <a:cxnSpLocks/>
             <a:stCxn id="68" idx="2"/>
             <a:endCxn id="69" idx="0"/>
           </p:cNvCxnSpPr>
@@ -4411,8 +4383,8 @@
         </p:nvCxnSpPr>
         <p:spPr>
           <a:xfrm>
-            <a:off x="5716133" y="4438472"/>
-            <a:ext cx="0" cy="182303"/>
+            <a:off x="5724811" y="4713185"/>
+            <a:ext cx="12068" cy="153311"/>
           </a:xfrm>
           <a:prstGeom prst="straightConnector1">
             <a:avLst/>
@@ -4449,6 +4421,7 @@
             </a:extLst>
           </p:cNvPr>
           <p:cNvCxnSpPr>
+            <a:cxnSpLocks/>
             <a:stCxn id="69" idx="2"/>
             <a:endCxn id="79" idx="0"/>
           </p:cNvCxnSpPr>
@@ -4456,8 +4429,8 @@
         </p:nvCxnSpPr>
         <p:spPr>
           <a:xfrm flipH="1">
-            <a:off x="5712888" y="5366775"/>
-            <a:ext cx="3245" cy="182303"/>
+            <a:off x="5733022" y="5381035"/>
+            <a:ext cx="3857" cy="168042"/>
           </a:xfrm>
           <a:prstGeom prst="straightConnector1">
             <a:avLst/>
@@ -4539,15 +4512,16 @@
             </a:extLst>
           </p:cNvPr>
           <p:cNvCxnSpPr>
+            <a:cxnSpLocks/>
             <a:stCxn id="79" idx="1"/>
-            <a:endCxn id="77" idx="3"/>
+            <a:endCxn id="72" idx="3"/>
           </p:cNvCxnSpPr>
           <p:nvPr/>
         </p:nvCxnSpPr>
         <p:spPr>
           <a:xfrm flipH="1" flipV="1">
-            <a:off x="3890074" y="5966877"/>
-            <a:ext cx="935799" cy="1"/>
+            <a:off x="3363763" y="5758552"/>
+            <a:ext cx="1482244" cy="208325"/>
           </a:xfrm>
           <a:prstGeom prst="straightConnector1">
             <a:avLst/>
@@ -4647,12 +4621,12 @@
         </p:nvCxnSpPr>
         <p:spPr>
           <a:xfrm rot="10800000">
-            <a:off x="3949733" y="722268"/>
-            <a:ext cx="876140" cy="5244611"/>
+            <a:off x="3949733" y="722267"/>
+            <a:ext cx="896274" cy="5244610"/>
           </a:xfrm>
           <a:prstGeom prst="curvedConnector3">
             <a:avLst>
-              <a:gd name="adj1" fmla="val 175441"/>
+              <a:gd name="adj1" fmla="val 188319"/>
             </a:avLst>
           </a:prstGeom>
           <a:ln>
@@ -4687,6 +4661,7 @@
             </a:extLst>
           </p:cNvPr>
           <p:cNvCxnSpPr>
+            <a:cxnSpLocks/>
             <a:stCxn id="77" idx="0"/>
             <a:endCxn id="54" idx="1"/>
           </p:cNvCxnSpPr>
@@ -4694,8 +4669,8 @@
         </p:nvCxnSpPr>
         <p:spPr>
           <a:xfrm rot="5400000" flipH="1" flipV="1">
-            <a:off x="689698" y="2342443"/>
-            <a:ext cx="4871610" cy="1631259"/>
+            <a:off x="917697" y="1588134"/>
+            <a:ext cx="3889303" cy="2157570"/>
           </a:xfrm>
           <a:prstGeom prst="curvedConnector2">
             <a:avLst/>
@@ -4777,6 +4752,274 @@
           </a:p>
         </p:txBody>
       </p:sp>
+      <p:sp>
+        <p:nvSpPr>
+          <p:cNvPr id="28" name="Google Shape;68;p13">
+            <a:extLst>
+              <a:ext uri="{FF2B5EF4-FFF2-40B4-BE49-F238E27FC236}">
+                <a16:creationId xmlns:a16="http://schemas.microsoft.com/office/drawing/2014/main" id="{F05C9D46-7A35-4FB9-A590-D102CAFE9DF5}"/>
+              </a:ext>
+            </a:extLst>
+          </p:cNvPr>
+          <p:cNvSpPr/>
+          <p:nvPr/>
+        </p:nvSpPr>
+        <p:spPr>
+          <a:xfrm>
+            <a:off x="4138856" y="3321940"/>
+            <a:ext cx="3160400" cy="582848"/>
+          </a:xfrm>
+          <a:prstGeom prst="roundRect">
+            <a:avLst>
+              <a:gd name="adj" fmla="val 16667"/>
+            </a:avLst>
+          </a:prstGeom>
+          <a:solidFill>
+            <a:srgbClr val="B4A7D6"/>
+          </a:solidFill>
+          <a:ln w="9525" cap="flat" cmpd="sng">
+            <a:solidFill>
+              <a:srgbClr val="4C1130"/>
+            </a:solidFill>
+            <a:prstDash val="solid"/>
+            <a:round/>
+            <a:headEnd type="none" w="sm" len="sm"/>
+            <a:tailEnd type="none" w="sm" len="sm"/>
+          </a:ln>
+        </p:spPr>
+        <p:txBody>
+          <a:bodyPr spcFirstLastPara="1" wrap="square" lIns="121900" tIns="121900" rIns="121900" bIns="121900" anchor="ctr" anchorCtr="0">
+            <a:noAutofit/>
+          </a:bodyPr>
+          <a:lstStyle/>
+          <a:p>
+            <a:pPr algn="ctr"/>
+            <a:r>
+              <a:rPr lang="en-GB" sz="1200" dirty="0">
+                <a:solidFill>
+                  <a:schemeClr val="bg1"/>
+                </a:solidFill>
+                <a:latin typeface="CMU Bright" panose="02000603000000000000" pitchFamily="2" charset="0"/>
+                <a:ea typeface="CMU Bright" panose="02000603000000000000" pitchFamily="2" charset="0"/>
+                <a:cs typeface="CMU Bright" panose="02000603000000000000" pitchFamily="2" charset="0"/>
+                <a:sym typeface="Courier New"/>
+              </a:rPr>
+              <a:t>Add time between stay-points based on speed.</a:t>
+            </a:r>
+            <a:endParaRPr sz="1200" dirty="0">
+              <a:solidFill>
+                <a:schemeClr val="bg1"/>
+              </a:solidFill>
+              <a:latin typeface="CMU Bright" panose="02000603000000000000" pitchFamily="2" charset="0"/>
+              <a:ea typeface="CMU Bright" panose="02000603000000000000" pitchFamily="2" charset="0"/>
+              <a:cs typeface="CMU Bright" panose="02000603000000000000" pitchFamily="2" charset="0"/>
+              <a:sym typeface="Courier New"/>
+            </a:endParaRPr>
+          </a:p>
+        </p:txBody>
+      </p:sp>
+      <p:cxnSp>
+        <p:nvCxnSpPr>
+          <p:cNvPr id="23" name="Straight Arrow Connector 22">
+            <a:extLst>
+              <a:ext uri="{FF2B5EF4-FFF2-40B4-BE49-F238E27FC236}">
+                <a16:creationId xmlns:a16="http://schemas.microsoft.com/office/drawing/2014/main" id="{505B8DB7-DAC1-4640-BE43-1A1E3A2AF4B0}"/>
+              </a:ext>
+            </a:extLst>
+          </p:cNvPr>
+          <p:cNvCxnSpPr>
+            <a:stCxn id="67" idx="2"/>
+            <a:endCxn id="28" idx="0"/>
+          </p:cNvCxnSpPr>
+          <p:nvPr/>
+        </p:nvCxnSpPr>
+        <p:spPr>
+          <a:xfrm>
+            <a:off x="5716133" y="3158350"/>
+            <a:ext cx="2923" cy="163590"/>
+          </a:xfrm>
+          <a:prstGeom prst="straightConnector1">
+            <a:avLst/>
+          </a:prstGeom>
+          <a:ln>
+            <a:solidFill>
+              <a:srgbClr val="7030A0"/>
+            </a:solidFill>
+            <a:tailEnd type="triangle"/>
+          </a:ln>
+        </p:spPr>
+        <p:style>
+          <a:lnRef idx="1">
+            <a:schemeClr val="accent1"/>
+          </a:lnRef>
+          <a:fillRef idx="0">
+            <a:schemeClr val="accent1"/>
+          </a:fillRef>
+          <a:effectRef idx="0">
+            <a:schemeClr val="accent1"/>
+          </a:effectRef>
+          <a:fontRef idx="minor">
+            <a:schemeClr val="tx1"/>
+          </a:fontRef>
+        </p:style>
+      </p:cxnSp>
+      <p:cxnSp>
+        <p:nvCxnSpPr>
+          <p:cNvPr id="26" name="Straight Arrow Connector 25">
+            <a:extLst>
+              <a:ext uri="{FF2B5EF4-FFF2-40B4-BE49-F238E27FC236}">
+                <a16:creationId xmlns:a16="http://schemas.microsoft.com/office/drawing/2014/main" id="{6E47633B-67DE-4011-A49D-681A3487CF80}"/>
+              </a:ext>
+            </a:extLst>
+          </p:cNvPr>
+          <p:cNvCxnSpPr>
+            <a:stCxn id="28" idx="2"/>
+            <a:endCxn id="68" idx="0"/>
+          </p:cNvCxnSpPr>
+          <p:nvPr/>
+        </p:nvCxnSpPr>
+        <p:spPr>
+          <a:xfrm>
+            <a:off x="5719056" y="3904788"/>
+            <a:ext cx="5755" cy="158251"/>
+          </a:xfrm>
+          <a:prstGeom prst="straightConnector1">
+            <a:avLst/>
+          </a:prstGeom>
+          <a:ln>
+            <a:solidFill>
+              <a:srgbClr val="7030A0"/>
+            </a:solidFill>
+            <a:tailEnd type="triangle"/>
+          </a:ln>
+        </p:spPr>
+        <p:style>
+          <a:lnRef idx="1">
+            <a:schemeClr val="accent1"/>
+          </a:lnRef>
+          <a:fillRef idx="0">
+            <a:schemeClr val="accent1"/>
+          </a:fillRef>
+          <a:effectRef idx="0">
+            <a:schemeClr val="accent1"/>
+          </a:effectRef>
+          <a:fontRef idx="minor">
+            <a:schemeClr val="tx1"/>
+          </a:fontRef>
+        </p:style>
+      </p:cxnSp>
+      <p:sp>
+        <p:nvSpPr>
+          <p:cNvPr id="72" name="Google Shape;77;p13">
+            <a:extLst>
+              <a:ext uri="{FF2B5EF4-FFF2-40B4-BE49-F238E27FC236}">
+                <a16:creationId xmlns:a16="http://schemas.microsoft.com/office/drawing/2014/main" id="{5F5AEC60-7C06-4194-91EB-31E75469031B}"/>
+              </a:ext>
+            </a:extLst>
+          </p:cNvPr>
+          <p:cNvSpPr/>
+          <p:nvPr/>
+        </p:nvSpPr>
+        <p:spPr>
+          <a:xfrm>
+            <a:off x="203363" y="5503626"/>
+            <a:ext cx="3160400" cy="509851"/>
+          </a:xfrm>
+          <a:prstGeom prst="roundRect">
+            <a:avLst>
+              <a:gd name="adj" fmla="val 16667"/>
+            </a:avLst>
+          </a:prstGeom>
+          <a:solidFill>
+            <a:srgbClr val="B4A7D6"/>
+          </a:solidFill>
+          <a:ln w="9525" cap="flat" cmpd="sng">
+            <a:solidFill>
+              <a:srgbClr val="4C1130"/>
+            </a:solidFill>
+            <a:prstDash val="solid"/>
+            <a:round/>
+            <a:headEnd type="none" w="sm" len="sm"/>
+            <a:tailEnd type="none" w="sm" len="sm"/>
+          </a:ln>
+        </p:spPr>
+        <p:txBody>
+          <a:bodyPr spcFirstLastPara="1" wrap="square" lIns="121900" tIns="121900" rIns="121900" bIns="121900" anchor="ctr" anchorCtr="0">
+            <a:noAutofit/>
+          </a:bodyPr>
+          <a:lstStyle/>
+          <a:p>
+            <a:pPr algn="ctr"/>
+            <a:r>
+              <a:rPr lang="en-GB" sz="1200" dirty="0">
+                <a:solidFill>
+                  <a:schemeClr val="bg1"/>
+                </a:solidFill>
+                <a:latin typeface="CMU Bright" panose="02000603000000000000" pitchFamily="2" charset="0"/>
+                <a:ea typeface="CMU Bright" panose="02000603000000000000" pitchFamily="2" charset="0"/>
+                <a:cs typeface="CMU Bright" panose="02000603000000000000" pitchFamily="2" charset="0"/>
+                <a:sym typeface="Courier New"/>
+              </a:rPr>
+              <a:t>Calculate transition matrix for the day passed.</a:t>
+            </a:r>
+            <a:endParaRPr sz="1200" dirty="0">
+              <a:solidFill>
+                <a:schemeClr val="bg1"/>
+              </a:solidFill>
+              <a:latin typeface="CMU Bright" panose="02000603000000000000" pitchFamily="2" charset="0"/>
+              <a:ea typeface="CMU Bright" panose="02000603000000000000" pitchFamily="2" charset="0"/>
+              <a:cs typeface="CMU Bright" panose="02000603000000000000" pitchFamily="2" charset="0"/>
+              <a:sym typeface="Courier New"/>
+            </a:endParaRPr>
+          </a:p>
+        </p:txBody>
+      </p:sp>
+      <p:cxnSp>
+        <p:nvCxnSpPr>
+          <p:cNvPr id="78" name="Straight Arrow Connector 77">
+            <a:extLst>
+              <a:ext uri="{FF2B5EF4-FFF2-40B4-BE49-F238E27FC236}">
+                <a16:creationId xmlns:a16="http://schemas.microsoft.com/office/drawing/2014/main" id="{B4B003C1-E780-4879-B097-B1ACD5A1EF7B}"/>
+              </a:ext>
+            </a:extLst>
+          </p:cNvPr>
+          <p:cNvCxnSpPr>
+            <a:cxnSpLocks/>
+            <a:stCxn id="72" idx="0"/>
+            <a:endCxn id="77" idx="2"/>
+          </p:cNvCxnSpPr>
+          <p:nvPr/>
+        </p:nvCxnSpPr>
+        <p:spPr>
+          <a:xfrm flipV="1">
+            <a:off x="1783563" y="5121421"/>
+            <a:ext cx="0" cy="382205"/>
+          </a:xfrm>
+          <a:prstGeom prst="straightConnector1">
+            <a:avLst/>
+          </a:prstGeom>
+          <a:ln>
+            <a:solidFill>
+              <a:srgbClr val="7030A0"/>
+            </a:solidFill>
+            <a:tailEnd type="triangle"/>
+          </a:ln>
+        </p:spPr>
+        <p:style>
+          <a:lnRef idx="1">
+            <a:schemeClr val="dk1"/>
+          </a:lnRef>
+          <a:fillRef idx="0">
+            <a:schemeClr val="dk1"/>
+          </a:fillRef>
+          <a:effectRef idx="0">
+            <a:schemeClr val="dk1"/>
+          </a:effectRef>
+          <a:fontRef idx="minor">
+            <a:schemeClr val="tx1"/>
+          </a:fontRef>
+        </p:style>
+      </p:cxnSp>
     </p:spTree>
   </p:cSld>
   <p:clrMapOvr>
